--- a/comp5704/Evaluating the MD-GAN architecture for distributed training of.pptx
+++ b/comp5704/Evaluating the MD-GAN architecture for distributed training of.pptx
@@ -242,7 +242,7 @@
           <a:p>
             <a:fld id="{19F693CC-F424-4FE5-B81D-52F3E1F496CC}" type="datetimeFigureOut">
               <a:rPr lang="en-CA" smtClean="0"/>
-              <a:t>2019-12-01</a:t>
+              <a:t>2019-12-02</a:t>
             </a:fld>
             <a:endParaRPr lang="en-CA"/>
           </a:p>
@@ -829,7 +829,7 @@
           <a:p>
             <a:fld id="{B5DBD8AE-724C-4977-B70A-D79847C55C3E}" type="datetime1">
               <a:rPr lang="en-CA" smtClean="0"/>
-              <a:t>2019-12-01</a:t>
+              <a:t>2019-12-02</a:t>
             </a:fld>
             <a:endParaRPr lang="en-CA"/>
           </a:p>
@@ -1040,7 +1040,7 @@
           <a:p>
             <a:fld id="{8371F531-8957-4DA0-AD0A-9982690FA66B}" type="datetime1">
               <a:rPr lang="en-CA" smtClean="0"/>
-              <a:t>2019-12-01</a:t>
+              <a:t>2019-12-02</a:t>
             </a:fld>
             <a:endParaRPr lang="en-CA"/>
           </a:p>
@@ -1299,7 +1299,7 @@
           <a:p>
             <a:fld id="{462D5D25-7049-40D1-9F6E-C22A4176A92F}" type="datetime1">
               <a:rPr lang="en-CA" smtClean="0"/>
-              <a:t>2019-12-01</a:t>
+              <a:t>2019-12-02</a:t>
             </a:fld>
             <a:endParaRPr lang="en-CA"/>
           </a:p>
@@ -1476,7 +1476,7 @@
           <a:p>
             <a:fld id="{EC023667-459A-4806-A3A2-BA45336E5297}" type="datetime1">
               <a:rPr lang="en-CA" smtClean="0"/>
-              <a:t>2019-12-01</a:t>
+              <a:t>2019-12-02</a:t>
             </a:fld>
             <a:endParaRPr lang="en-CA"/>
           </a:p>
@@ -1822,7 +1822,7 @@
           <a:p>
             <a:fld id="{6C761107-0B44-412C-8F4D-DD90709FBF87}" type="datetime1">
               <a:rPr lang="en-CA" smtClean="0"/>
-              <a:t>2019-12-01</a:t>
+              <a:t>2019-12-02</a:t>
             </a:fld>
             <a:endParaRPr lang="en-CA"/>
           </a:p>
@@ -2100,7 +2100,7 @@
           <a:p>
             <a:fld id="{52E13668-FBB1-4DAA-800A-8897E97EFC7F}" type="datetime1">
               <a:rPr lang="en-CA" smtClean="0"/>
-              <a:t>2019-12-01</a:t>
+              <a:t>2019-12-02</a:t>
             </a:fld>
             <a:endParaRPr lang="en-CA"/>
           </a:p>
@@ -2482,7 +2482,7 @@
           <a:p>
             <a:fld id="{BE04F154-3D55-4D6E-8E7C-087022199552}" type="datetime1">
               <a:rPr lang="en-CA" smtClean="0"/>
-              <a:t>2019-12-01</a:t>
+              <a:t>2019-12-02</a:t>
             </a:fld>
             <a:endParaRPr lang="en-CA"/>
           </a:p>
@@ -2603,7 +2603,7 @@
           <a:p>
             <a:fld id="{71804881-8628-4BCE-8B12-8DC3F373746F}" type="datetime1">
               <a:rPr lang="en-CA" smtClean="0"/>
-              <a:t>2019-12-01</a:t>
+              <a:t>2019-12-02</a:t>
             </a:fld>
             <a:endParaRPr lang="en-CA"/>
           </a:p>
@@ -2777,7 +2777,7 @@
           <a:p>
             <a:fld id="{2B2490A7-6BD5-4591-8F7F-A3D0F5D9FFD9}" type="datetime1">
               <a:rPr lang="en-CA" smtClean="0"/>
-              <a:t>2019-12-01</a:t>
+              <a:t>2019-12-02</a:t>
             </a:fld>
             <a:endParaRPr lang="en-CA"/>
           </a:p>
@@ -3134,7 +3134,7 @@
           <a:p>
             <a:fld id="{4F72C854-B467-4BB6-99C6-0A08B9DD69BA}" type="datetime1">
               <a:rPr lang="en-CA" smtClean="0"/>
-              <a:t>2019-12-01</a:t>
+              <a:t>2019-12-02</a:t>
             </a:fld>
             <a:endParaRPr lang="en-CA"/>
           </a:p>
@@ -3519,7 +3519,7 @@
           <a:p>
             <a:fld id="{8A0123AF-B05B-48D3-9038-F282EB3F3BC4}" type="datetime1">
               <a:rPr lang="en-CA" smtClean="0"/>
-              <a:t>2019-12-01</a:t>
+              <a:t>2019-12-02</a:t>
             </a:fld>
             <a:endParaRPr lang="en-CA"/>
           </a:p>
@@ -3809,7 +3809,7 @@
           <a:p>
             <a:fld id="{242B4F22-14FB-4C08-A005-42C0518085EF}" type="datetime1">
               <a:rPr lang="en-CA" smtClean="0"/>
-              <a:t>2019-12-01</a:t>
+              <a:t>2019-12-02</a:t>
             </a:fld>
             <a:endParaRPr lang="en-CA"/>
           </a:p>
@@ -4470,7 +4470,7 @@
           <a:p>
             <a:fld id="{3AA46AA3-C92E-4470-9591-17B7F1728394}" type="datetime1">
               <a:rPr lang="en-CA" smtClean="0"/>
-              <a:t>2019-12-01</a:t>
+              <a:t>2019-12-02</a:t>
             </a:fld>
             <a:endParaRPr lang="en-CA"/>
           </a:p>
@@ -4670,7 +4670,7 @@
           <a:p>
             <a:fld id="{06BBC222-C175-4FBD-A2DC-2E8FE601EC5B}" type="datetime1">
               <a:rPr lang="en-CA" smtClean="0"/>
-              <a:t>2019-12-01</a:t>
+              <a:t>2019-12-02</a:t>
             </a:fld>
             <a:endParaRPr lang="en-CA"/>
           </a:p>
@@ -4862,7 +4862,7 @@
           <a:p>
             <a:fld id="{5DB0B83F-7F09-4617-B0EC-25A407433F2D}" type="datetime1">
               <a:rPr lang="en-CA" smtClean="0"/>
-              <a:t>2019-12-01</a:t>
+              <a:t>2019-12-02</a:t>
             </a:fld>
             <a:endParaRPr lang="en-CA"/>
           </a:p>
@@ -5051,7 +5051,7 @@
           <a:p>
             <a:fld id="{4DA31BDE-DDA7-40C0-AA1C-9A263C69D030}" type="datetime1">
               <a:rPr lang="en-CA" smtClean="0"/>
-              <a:t>2019-12-01</a:t>
+              <a:t>2019-12-02</a:t>
             </a:fld>
             <a:endParaRPr lang="en-CA"/>
           </a:p>
@@ -5257,7 +5257,7 @@
           <a:p>
             <a:fld id="{5F02D7DF-052E-4D3E-94C3-A10FCF570505}" type="datetime1">
               <a:rPr lang="en-CA" smtClean="0"/>
-              <a:t>2019-12-01</a:t>
+              <a:t>2019-12-02</a:t>
             </a:fld>
             <a:endParaRPr lang="en-CA"/>
           </a:p>
@@ -5403,17 +5403,17 @@
           <a:p>
             <a:r>
               <a:rPr lang="en-CA" sz="2800" dirty="0"/>
-              <a:t>Base GAN implementation not very robust. Only able to reach very limited results before deteriorating.</a:t>
+              <a:t>Base GAN implementation not very robust. Only able to reach very limited results before deteriorating beyond recovery.</a:t>
             </a:r>
           </a:p>
         </p:txBody>
       </p:sp>
       <p:pic>
         <p:nvPicPr>
-          <p:cNvPr id="5" name="Picture 4" descr="A picture containing photo, keyboard, woman, white&#10;&#10;Description automatically generated">
-            <a:extLst>
-              <a:ext uri="{FF2B5EF4-FFF2-40B4-BE49-F238E27FC236}">
-                <a16:creationId xmlns:a16="http://schemas.microsoft.com/office/drawing/2014/main" id="{000388D7-ED5F-48C5-9A3F-BCB93DC9D774}"/>
+          <p:cNvPr id="7" name="Picture 6" descr="A close up of a white background&#10;&#10;Description automatically generated">
+            <a:extLst>
+              <a:ext uri="{FF2B5EF4-FFF2-40B4-BE49-F238E27FC236}">
+                <a16:creationId xmlns:a16="http://schemas.microsoft.com/office/drawing/2014/main" id="{E47C3236-B3FB-4265-9E87-4A47881B38E5}"/>
               </a:ext>
             </a:extLst>
           </p:cNvPr>
@@ -5424,42 +5424,6 @@
         </p:nvPicPr>
         <p:blipFill>
           <a:blip r:embed="rId2">
-            <a:extLst>
-              <a:ext uri="{28A0092B-C50C-407E-A947-70E740481C1C}">
-                <a14:useLocalDpi xmlns:a14="http://schemas.microsoft.com/office/drawing/2010/main" val="0"/>
-              </a:ext>
-            </a:extLst>
-          </a:blip>
-          <a:stretch>
-            <a:fillRect/>
-          </a:stretch>
-        </p:blipFill>
-        <p:spPr>
-          <a:xfrm>
-            <a:off x="4461297" y="2790825"/>
-            <a:ext cx="3269406" cy="3269406"/>
-          </a:xfrm>
-          <a:prstGeom prst="rect">
-            <a:avLst/>
-          </a:prstGeom>
-        </p:spPr>
-      </p:pic>
-      <p:pic>
-        <p:nvPicPr>
-          <p:cNvPr id="7" name="Picture 6" descr="A close up of a white background&#10;&#10;Description automatically generated">
-            <a:extLst>
-              <a:ext uri="{FF2B5EF4-FFF2-40B4-BE49-F238E27FC236}">
-                <a16:creationId xmlns:a16="http://schemas.microsoft.com/office/drawing/2014/main" id="{E47C3236-B3FB-4265-9E87-4A47881B38E5}"/>
-              </a:ext>
-            </a:extLst>
-          </p:cNvPr>
-          <p:cNvPicPr>
-            <a:picLocks noChangeAspect="1"/>
-          </p:cNvPicPr>
-          <p:nvPr/>
-        </p:nvPicPr>
-        <p:blipFill>
-          <a:blip r:embed="rId3">
             <a:extLst>
               <a:ext uri="{28A0092B-C50C-407E-A947-70E740481C1C}">
                 <a14:useLocalDpi xmlns:a14="http://schemas.microsoft.com/office/drawing/2010/main" val="0"/>
@@ -5495,7 +5459,7 @@
           <p:nvPr/>
         </p:nvPicPr>
         <p:blipFill>
-          <a:blip r:embed="rId4"/>
+          <a:blip r:embed="rId3"/>
           <a:stretch>
             <a:fillRect/>
           </a:stretch>
@@ -5533,7 +5497,7 @@
           <a:p>
             <a:fld id="{59B68C86-9A25-4890-80E2-3980FABE63AD}" type="datetime1">
               <a:rPr lang="en-CA" smtClean="0"/>
-              <a:t>2019-12-01</a:t>
+              <a:t>2019-12-02</a:t>
             </a:fld>
             <a:endParaRPr lang="en-CA"/>
           </a:p>
@@ -5596,6 +5560,42 @@
           </a:p>
         </p:txBody>
       </p:sp>
+      <p:pic>
+        <p:nvPicPr>
+          <p:cNvPr id="6" name="Picture 5" descr="A picture containing white, black, keyboard, rain&#10;&#10;Description automatically generated">
+            <a:extLst>
+              <a:ext uri="{FF2B5EF4-FFF2-40B4-BE49-F238E27FC236}">
+                <a16:creationId xmlns:a16="http://schemas.microsoft.com/office/drawing/2014/main" id="{BDBFE777-8E29-4E89-89E0-E42FC39483FF}"/>
+              </a:ext>
+            </a:extLst>
+          </p:cNvPr>
+          <p:cNvPicPr>
+            <a:picLocks noChangeAspect="1"/>
+          </p:cNvPicPr>
+          <p:nvPr/>
+        </p:nvPicPr>
+        <p:blipFill>
+          <a:blip r:embed="rId4">
+            <a:extLst>
+              <a:ext uri="{28A0092B-C50C-407E-A947-70E740481C1C}">
+                <a14:useLocalDpi xmlns:a14="http://schemas.microsoft.com/office/drawing/2010/main" val="0"/>
+              </a:ext>
+            </a:extLst>
+          </a:blip>
+          <a:stretch>
+            <a:fillRect/>
+          </a:stretch>
+        </p:blipFill>
+        <p:spPr>
+          <a:xfrm>
+            <a:off x="4461296" y="2790822"/>
+            <a:ext cx="3269408" cy="3269408"/>
+          </a:xfrm>
+          <a:prstGeom prst="rect">
+            <a:avLst/>
+          </a:prstGeom>
+        </p:spPr>
+      </p:pic>
     </p:spTree>
     <p:extLst>
       <p:ext uri="{BB962C8B-B14F-4D97-AF65-F5344CB8AC3E}">
@@ -5797,7 +5797,7 @@
           <a:p>
             <a:fld id="{547EA771-3A66-4322-9500-8C1886AE1508}" type="datetime1">
               <a:rPr lang="en-CA" smtClean="0"/>
-              <a:t>2019-12-01</a:t>
+              <a:t>2019-12-02</a:t>
             </a:fld>
             <a:endParaRPr lang="en-CA"/>
           </a:p>
@@ -6061,7 +6061,7 @@
           <a:p>
             <a:fld id="{B5A504B1-68F6-4A03-B41B-D00E967051CF}" type="datetime1">
               <a:rPr lang="en-CA" smtClean="0"/>
-              <a:t>2019-12-01</a:t>
+              <a:t>2019-12-02</a:t>
             </a:fld>
             <a:endParaRPr lang="en-CA"/>
           </a:p>
@@ -6274,7 +6274,7 @@
           <a:p>
             <a:fld id="{226C368B-E428-479B-85D7-87AEEAA5E556}" type="datetime1">
               <a:rPr lang="en-CA" smtClean="0"/>
-              <a:t>2019-12-01</a:t>
+              <a:t>2019-12-02</a:t>
             </a:fld>
             <a:endParaRPr lang="en-CA"/>
           </a:p>
@@ -6460,7 +6460,7 @@
           <a:p>
             <a:fld id="{A43D0986-EDED-4952-AA93-F730D173207A}" type="datetime1">
               <a:rPr lang="en-CA" smtClean="0"/>
-              <a:t>2019-12-01</a:t>
+              <a:t>2019-12-02</a:t>
             </a:fld>
             <a:endParaRPr lang="en-CA"/>
           </a:p>
@@ -6714,7 +6714,7 @@
           <a:p>
             <a:fld id="{CD2BB203-E4BC-466C-BB1C-001E126DA9B7}" type="datetime1">
               <a:rPr lang="en-CA" smtClean="0"/>
-              <a:t>2019-12-01</a:t>
+              <a:t>2019-12-02</a:t>
             </a:fld>
             <a:endParaRPr lang="en-CA"/>
           </a:p>
@@ -6930,7 +6930,7 @@
           <a:p>
             <a:fld id="{5BDAA48C-470F-4E9C-8F27-7CBB97E05F63}" type="datetime1">
               <a:rPr lang="en-CA" smtClean="0"/>
-              <a:t>2019-12-01</a:t>
+              <a:t>2019-12-02</a:t>
             </a:fld>
             <a:endParaRPr lang="en-CA"/>
           </a:p>
@@ -7116,7 +7116,7 @@
           <a:p>
             <a:fld id="{FD4DA02C-0665-4768-A97F-516D3FC4E424}" type="datetime1">
               <a:rPr lang="en-CA" smtClean="0"/>
-              <a:t>2019-12-01</a:t>
+              <a:t>2019-12-02</a:t>
             </a:fld>
             <a:endParaRPr lang="en-CA"/>
           </a:p>
@@ -7308,7 +7308,7 @@
           <a:p>
             <a:fld id="{E612850D-BF06-4378-997D-D22B50C9513E}" type="datetime1">
               <a:rPr lang="en-CA" smtClean="0"/>
-              <a:t>2019-12-01</a:t>
+              <a:t>2019-12-02</a:t>
             </a:fld>
             <a:endParaRPr lang="en-CA"/>
           </a:p>
@@ -7562,7 +7562,7 @@
           <a:p>
             <a:fld id="{27347EF9-0027-47A4-8575-872C004F9677}" type="datetime1">
               <a:rPr lang="en-CA" smtClean="0"/>
-              <a:t>2019-12-01</a:t>
+              <a:t>2019-12-02</a:t>
             </a:fld>
             <a:endParaRPr lang="en-CA"/>
           </a:p>
@@ -7825,7 +7825,7 @@
           <a:p>
             <a:fld id="{6599B0AB-9D59-4B25-963B-AD0EC3A621D6}" type="datetime1">
               <a:rPr lang="en-CA" smtClean="0"/>
-              <a:t>2019-12-01</a:t>
+              <a:t>2019-12-02</a:t>
             </a:fld>
             <a:endParaRPr lang="en-CA"/>
           </a:p>
@@ -8035,7 +8035,7 @@
           <a:p>
             <a:fld id="{867B1A92-F9EE-4089-BEEB-DF098813A798}" type="datetime1">
               <a:rPr lang="en-CA" smtClean="0"/>
-              <a:t>2019-12-01</a:t>
+              <a:t>2019-12-02</a:t>
             </a:fld>
             <a:endParaRPr lang="en-CA"/>
           </a:p>
@@ -8255,7 +8255,7 @@
           <a:p>
             <a:fld id="{160709C8-CA4C-46FF-B5C3-9A3D4880D496}" type="datetime1">
               <a:rPr lang="en-CA" smtClean="0"/>
-              <a:t>2019-12-01</a:t>
+              <a:t>2019-12-02</a:t>
             </a:fld>
             <a:endParaRPr lang="en-CA"/>
           </a:p>
@@ -8463,7 +8463,7 @@
           <a:p>
             <a:fld id="{351455E5-04C2-48BF-A2E1-9801DDBFD5E1}" type="datetime1">
               <a:rPr lang="en-CA" smtClean="0"/>
-              <a:t>2019-12-01</a:t>
+              <a:t>2019-12-02</a:t>
             </a:fld>
             <a:endParaRPr lang="en-CA"/>
           </a:p>
@@ -8649,7 +8649,7 @@
           <a:p>
             <a:fld id="{68019615-9B7E-4ED0-B896-281BA709169C}" type="datetime1">
               <a:rPr lang="en-CA" smtClean="0"/>
-              <a:t>2019-12-01</a:t>
+              <a:t>2019-12-02</a:t>
             </a:fld>
             <a:endParaRPr lang="en-CA"/>
           </a:p>
